--- a/1_introduction/1_Origins.pptx
+++ b/1_introduction/1_Origins.pptx
@@ -5,15 +5,17 @@
     <p:sldMasterId id="2147483648" r:id="rId1"/>
   </p:sldMasterIdLst>
   <p:sldIdLst>
-    <p:sldId id="256" r:id="rId2"/>
-    <p:sldId id="257" r:id="rId3"/>
-    <p:sldId id="266" r:id="rId4"/>
-    <p:sldId id="261" r:id="rId5"/>
-    <p:sldId id="262" r:id="rId6"/>
-    <p:sldId id="260" r:id="rId7"/>
-    <p:sldId id="265" r:id="rId8"/>
-    <p:sldId id="263" r:id="rId9"/>
-    <p:sldId id="264" r:id="rId10"/>
+    <p:sldId id="268" r:id="rId2"/>
+    <p:sldId id="267" r:id="rId3"/>
+    <p:sldId id="257" r:id="rId4"/>
+    <p:sldId id="256" r:id="rId5"/>
+    <p:sldId id="266" r:id="rId6"/>
+    <p:sldId id="261" r:id="rId7"/>
+    <p:sldId id="262" r:id="rId8"/>
+    <p:sldId id="260" r:id="rId9"/>
+    <p:sldId id="265" r:id="rId10"/>
+    <p:sldId id="263" r:id="rId11"/>
+    <p:sldId id="264" r:id="rId12"/>
   </p:sldIdLst>
   <p:sldSz cx="12192000" cy="6858000"/>
   <p:notesSz cx="6858000" cy="9144000"/>
@@ -267,7 +269,7 @@
           <a:p>
             <a:fld id="{EECBD699-7A79-4FA7-996C-E5C2C0144205}" type="datetimeFigureOut">
               <a:rPr lang="en-US" smtClean="0"/>
-              <a:t>11/13/2024</a:t>
+              <a:t>11/18/2024</a:t>
             </a:fld>
             <a:endParaRPr lang="en-US"/>
           </a:p>
@@ -465,7 +467,7 @@
           <a:p>
             <a:fld id="{EECBD699-7A79-4FA7-996C-E5C2C0144205}" type="datetimeFigureOut">
               <a:rPr lang="en-US" smtClean="0"/>
-              <a:t>11/13/2024</a:t>
+              <a:t>11/18/2024</a:t>
             </a:fld>
             <a:endParaRPr lang="en-US"/>
           </a:p>
@@ -673,7 +675,7 @@
           <a:p>
             <a:fld id="{EECBD699-7A79-4FA7-996C-E5C2C0144205}" type="datetimeFigureOut">
               <a:rPr lang="en-US" smtClean="0"/>
-              <a:t>11/13/2024</a:t>
+              <a:t>11/18/2024</a:t>
             </a:fld>
             <a:endParaRPr lang="en-US"/>
           </a:p>
@@ -871,7 +873,7 @@
           <a:p>
             <a:fld id="{EECBD699-7A79-4FA7-996C-E5C2C0144205}" type="datetimeFigureOut">
               <a:rPr lang="en-US" smtClean="0"/>
-              <a:t>11/13/2024</a:t>
+              <a:t>11/18/2024</a:t>
             </a:fld>
             <a:endParaRPr lang="en-US"/>
           </a:p>
@@ -1146,7 +1148,7 @@
           <a:p>
             <a:fld id="{EECBD699-7A79-4FA7-996C-E5C2C0144205}" type="datetimeFigureOut">
               <a:rPr lang="en-US" smtClean="0"/>
-              <a:t>11/13/2024</a:t>
+              <a:t>11/18/2024</a:t>
             </a:fld>
             <a:endParaRPr lang="en-US"/>
           </a:p>
@@ -1411,7 +1413,7 @@
           <a:p>
             <a:fld id="{EECBD699-7A79-4FA7-996C-E5C2C0144205}" type="datetimeFigureOut">
               <a:rPr lang="en-US" smtClean="0"/>
-              <a:t>11/13/2024</a:t>
+              <a:t>11/18/2024</a:t>
             </a:fld>
             <a:endParaRPr lang="en-US"/>
           </a:p>
@@ -1823,7 +1825,7 @@
           <a:p>
             <a:fld id="{EECBD699-7A79-4FA7-996C-E5C2C0144205}" type="datetimeFigureOut">
               <a:rPr lang="en-US" smtClean="0"/>
-              <a:t>11/13/2024</a:t>
+              <a:t>11/18/2024</a:t>
             </a:fld>
             <a:endParaRPr lang="en-US"/>
           </a:p>
@@ -1964,7 +1966,7 @@
           <a:p>
             <a:fld id="{EECBD699-7A79-4FA7-996C-E5C2C0144205}" type="datetimeFigureOut">
               <a:rPr lang="en-US" smtClean="0"/>
-              <a:t>11/13/2024</a:t>
+              <a:t>11/18/2024</a:t>
             </a:fld>
             <a:endParaRPr lang="en-US"/>
           </a:p>
@@ -2077,7 +2079,7 @@
           <a:p>
             <a:fld id="{EECBD699-7A79-4FA7-996C-E5C2C0144205}" type="datetimeFigureOut">
               <a:rPr lang="en-US" smtClean="0"/>
-              <a:t>11/13/2024</a:t>
+              <a:t>11/18/2024</a:t>
             </a:fld>
             <a:endParaRPr lang="en-US"/>
           </a:p>
@@ -2388,7 +2390,7 @@
           <a:p>
             <a:fld id="{EECBD699-7A79-4FA7-996C-E5C2C0144205}" type="datetimeFigureOut">
               <a:rPr lang="en-US" smtClean="0"/>
-              <a:t>11/13/2024</a:t>
+              <a:t>11/18/2024</a:t>
             </a:fld>
             <a:endParaRPr lang="en-US"/>
           </a:p>
@@ -2676,7 +2678,7 @@
           <a:p>
             <a:fld id="{EECBD699-7A79-4FA7-996C-E5C2C0144205}" type="datetimeFigureOut">
               <a:rPr lang="en-US" smtClean="0"/>
-              <a:t>11/13/2024</a:t>
+              <a:t>11/18/2024</a:t>
             </a:fld>
             <a:endParaRPr lang="en-US"/>
           </a:p>
@@ -2917,7 +2919,7 @@
           <a:p>
             <a:fld id="{EECBD699-7A79-4FA7-996C-E5C2C0144205}" type="datetimeFigureOut">
               <a:rPr lang="en-US" smtClean="0"/>
-              <a:t>11/13/2024</a:t>
+              <a:t>11/18/2024</a:t>
             </a:fld>
             <a:endParaRPr lang="en-US"/>
           </a:p>
@@ -3357,7 +3359,7 @@
           <a:p>
             <a:r>
               <a:rPr lang="en-US" dirty="0"/>
-              <a:t>TS - Origins</a:t>
+              <a:t>JS - Origins</a:t>
             </a:r>
           </a:p>
         </p:txBody>
@@ -3393,7 +3395,290 @@
     </p:spTree>
     <p:extLst>
       <p:ext uri="{BB962C8B-B14F-4D97-AF65-F5344CB8AC3E}">
-        <p14:creationId xmlns:p14="http://schemas.microsoft.com/office/powerpoint/2010/main" val="386188524"/>
+        <p14:creationId xmlns:p14="http://schemas.microsoft.com/office/powerpoint/2010/main" val="2770412944"/>
+      </p:ext>
+    </p:extLst>
+  </p:cSld>
+  <p:clrMapOvr>
+    <a:masterClrMapping/>
+  </p:clrMapOvr>
+</p:sld>
+</file>
+
+<file path=ppt/slides/slide10.xml><?xml version="1.0" encoding="utf-8"?>
+<p:sld xmlns:a="http://schemas.openxmlformats.org/drawingml/2006/main" xmlns:r="http://schemas.openxmlformats.org/officeDocument/2006/relationships" xmlns:p="http://schemas.openxmlformats.org/presentationml/2006/main">
+  <p:cSld>
+    <p:spTree>
+      <p:nvGrpSpPr>
+        <p:cNvPr id="1" name=""/>
+        <p:cNvGrpSpPr/>
+        <p:nvPr/>
+      </p:nvGrpSpPr>
+      <p:grpSpPr>
+        <a:xfrm>
+          <a:off x="0" y="0"/>
+          <a:ext cx="0" cy="0"/>
+          <a:chOff x="0" y="0"/>
+          <a:chExt cx="0" cy="0"/>
+        </a:xfrm>
+      </p:grpSpPr>
+      <p:sp>
+        <p:nvSpPr>
+          <p:cNvPr id="2" name="Title 1">
+            <a:extLst>
+              <a:ext uri="{FF2B5EF4-FFF2-40B4-BE49-F238E27FC236}">
+                <a16:creationId xmlns:a16="http://schemas.microsoft.com/office/drawing/2014/main" id="{0F3F56CA-C931-67D7-6382-29F1CF339A1F}"/>
+              </a:ext>
+            </a:extLst>
+          </p:cNvPr>
+          <p:cNvSpPr>
+            <a:spLocks noGrp="1"/>
+          </p:cNvSpPr>
+          <p:nvPr>
+            <p:ph type="title"/>
+          </p:nvPr>
+        </p:nvSpPr>
+        <p:spPr/>
+        <p:txBody>
+          <a:bodyPr/>
+          <a:lstStyle/>
+          <a:p>
+            <a:r>
+              <a:rPr lang="en-US" dirty="0"/>
+              <a:t>Installation</a:t>
+            </a:r>
+          </a:p>
+        </p:txBody>
+      </p:sp>
+      <p:sp>
+        <p:nvSpPr>
+          <p:cNvPr id="3" name="Content Placeholder 2">
+            <a:extLst>
+              <a:ext uri="{FF2B5EF4-FFF2-40B4-BE49-F238E27FC236}">
+                <a16:creationId xmlns:a16="http://schemas.microsoft.com/office/drawing/2014/main" id="{87EF7DBD-DD82-42F4-40A7-8516331285B8}"/>
+              </a:ext>
+            </a:extLst>
+          </p:cNvPr>
+          <p:cNvSpPr>
+            <a:spLocks noGrp="1"/>
+          </p:cNvSpPr>
+          <p:nvPr>
+            <p:ph idx="1"/>
+          </p:nvPr>
+        </p:nvSpPr>
+        <p:spPr/>
+        <p:txBody>
+          <a:bodyPr/>
+          <a:lstStyle/>
+          <a:p>
+            <a:r>
+              <a:rPr lang="en-US" dirty="0"/>
+              <a:t>Node JS (</a:t>
+            </a:r>
+            <a:r>
+              <a:rPr lang="en-US" dirty="0">
+                <a:hlinkClick r:id="rId2"/>
+              </a:rPr>
+              <a:t>https://nodejs.org/en/download/package-manager</a:t>
+            </a:r>
+            <a:r>
+              <a:rPr lang="en-US" dirty="0"/>
+              <a:t>)</a:t>
+            </a:r>
+          </a:p>
+          <a:p>
+            <a:r>
+              <a:rPr lang="en-US" dirty="0"/>
+              <a:t>Visual Studio Code (</a:t>
+            </a:r>
+            <a:r>
+              <a:rPr lang="en-US" dirty="0">
+                <a:hlinkClick r:id="rId3"/>
+              </a:rPr>
+              <a:t>https://code.visualstudio.com/download</a:t>
+            </a:r>
+            <a:r>
+              <a:rPr lang="en-US" dirty="0"/>
+              <a:t>)</a:t>
+            </a:r>
+          </a:p>
+          <a:p>
+            <a:r>
+              <a:rPr lang="en-US" dirty="0"/>
+              <a:t>Google Chrome (</a:t>
+            </a:r>
+            <a:r>
+              <a:rPr lang="en-US" dirty="0">
+                <a:hlinkClick r:id="rId4"/>
+              </a:rPr>
+              <a:t>https://www.google.com/chrome/</a:t>
+            </a:r>
+            <a:r>
+              <a:rPr lang="en-US" dirty="0"/>
+              <a:t>)</a:t>
+            </a:r>
+          </a:p>
+        </p:txBody>
+      </p:sp>
+    </p:spTree>
+    <p:extLst>
+      <p:ext uri="{BB962C8B-B14F-4D97-AF65-F5344CB8AC3E}">
+        <p14:creationId xmlns:p14="http://schemas.microsoft.com/office/powerpoint/2010/main" val="3310117290"/>
+      </p:ext>
+    </p:extLst>
+  </p:cSld>
+  <p:clrMapOvr>
+    <a:masterClrMapping/>
+  </p:clrMapOvr>
+</p:sld>
+</file>
+
+<file path=ppt/slides/slide11.xml><?xml version="1.0" encoding="utf-8"?>
+<p:sld xmlns:a="http://schemas.openxmlformats.org/drawingml/2006/main" xmlns:r="http://schemas.openxmlformats.org/officeDocument/2006/relationships" xmlns:p="http://schemas.openxmlformats.org/presentationml/2006/main">
+  <p:cSld>
+    <p:spTree>
+      <p:nvGrpSpPr>
+        <p:cNvPr id="1" name=""/>
+        <p:cNvGrpSpPr/>
+        <p:nvPr/>
+      </p:nvGrpSpPr>
+      <p:grpSpPr>
+        <a:xfrm>
+          <a:off x="0" y="0"/>
+          <a:ext cx="0" cy="0"/>
+          <a:chOff x="0" y="0"/>
+          <a:chExt cx="0" cy="0"/>
+        </a:xfrm>
+      </p:grpSpPr>
+      <p:sp>
+        <p:nvSpPr>
+          <p:cNvPr id="2" name="Title 1">
+            <a:extLst>
+              <a:ext uri="{FF2B5EF4-FFF2-40B4-BE49-F238E27FC236}">
+                <a16:creationId xmlns:a16="http://schemas.microsoft.com/office/drawing/2014/main" id="{0F3F56CA-C931-67D7-6382-29F1CF339A1F}"/>
+              </a:ext>
+            </a:extLst>
+          </p:cNvPr>
+          <p:cNvSpPr>
+            <a:spLocks noGrp="1"/>
+          </p:cNvSpPr>
+          <p:nvPr>
+            <p:ph type="title"/>
+          </p:nvPr>
+        </p:nvSpPr>
+        <p:spPr/>
+        <p:txBody>
+          <a:bodyPr/>
+          <a:lstStyle/>
+          <a:p>
+            <a:r>
+              <a:rPr lang="en-US" dirty="0"/>
+              <a:t>Installation - Global</a:t>
+            </a:r>
+          </a:p>
+        </p:txBody>
+      </p:sp>
+      <p:sp>
+        <p:nvSpPr>
+          <p:cNvPr id="3" name="Content Placeholder 2">
+            <a:extLst>
+              <a:ext uri="{FF2B5EF4-FFF2-40B4-BE49-F238E27FC236}">
+                <a16:creationId xmlns:a16="http://schemas.microsoft.com/office/drawing/2014/main" id="{87EF7DBD-DD82-42F4-40A7-8516331285B8}"/>
+              </a:ext>
+            </a:extLst>
+          </p:cNvPr>
+          <p:cNvSpPr>
+            <a:spLocks noGrp="1"/>
+          </p:cNvSpPr>
+          <p:nvPr>
+            <p:ph idx="1"/>
+          </p:nvPr>
+        </p:nvSpPr>
+        <p:spPr/>
+        <p:txBody>
+          <a:bodyPr>
+            <a:normAutofit/>
+          </a:bodyPr>
+          <a:lstStyle/>
+          <a:p>
+            <a:r>
+              <a:rPr lang="en-US" dirty="0"/>
+              <a:t>TypeScript (</a:t>
+            </a:r>
+            <a:r>
+              <a:rPr lang="en-US" dirty="0">
+                <a:hlinkClick r:id="rId2"/>
+              </a:rPr>
+              <a:t>https://www.typescriptlang.org/download/</a:t>
+            </a:r>
+            <a:r>
+              <a:rPr lang="en-US" dirty="0"/>
+              <a:t>)</a:t>
+            </a:r>
+          </a:p>
+          <a:p>
+            <a:r>
+              <a:rPr lang="en-US" dirty="0"/>
+              <a:t>In a command type: “</a:t>
+            </a:r>
+            <a:r>
+              <a:rPr lang="en-US" i="1" dirty="0" err="1"/>
+              <a:t>npm</a:t>
+            </a:r>
+            <a:r>
+              <a:rPr lang="en-US" i="1" dirty="0"/>
+              <a:t> install -g typescript</a:t>
+            </a:r>
+            <a:r>
+              <a:rPr lang="en-US" dirty="0"/>
+              <a:t>”</a:t>
+            </a:r>
+          </a:p>
+          <a:p>
+            <a:r>
+              <a:rPr lang="en-US" dirty="0"/>
+              <a:t>Check installation with “</a:t>
+            </a:r>
+            <a:r>
+              <a:rPr lang="en-US" i="1" dirty="0" err="1"/>
+              <a:t>tsc</a:t>
+            </a:r>
+            <a:r>
+              <a:rPr lang="en-US" i="1" dirty="0"/>
+              <a:t> --version</a:t>
+            </a:r>
+            <a:r>
+              <a:rPr lang="en-US" dirty="0"/>
+              <a:t>”</a:t>
+            </a:r>
+          </a:p>
+          <a:p>
+            <a:endParaRPr lang="en-US" dirty="0"/>
+          </a:p>
+          <a:p>
+            <a:r>
+              <a:rPr lang="en-US" dirty="0"/>
+              <a:t>Example ../examples/1.2_HelloWorld</a:t>
+            </a:r>
+          </a:p>
+          <a:p>
+            <a:r>
+              <a:rPr lang="en-US" dirty="0"/>
+              <a:t>Example ../examples/1.3_TSConfig</a:t>
+            </a:r>
+          </a:p>
+          <a:p>
+            <a:endParaRPr lang="en-US" dirty="0"/>
+          </a:p>
+          <a:p>
+            <a:endParaRPr lang="en-US" dirty="0"/>
+          </a:p>
+        </p:txBody>
+      </p:sp>
+    </p:spTree>
+    <p:extLst>
+      <p:ext uri="{BB962C8B-B14F-4D97-AF65-F5344CB8AC3E}">
+        <p14:creationId xmlns:p14="http://schemas.microsoft.com/office/powerpoint/2010/main" val="3001847737"/>
       </p:ext>
     </p:extLst>
   </p:cSld>
@@ -3443,7 +3728,7 @@
           <a:p>
             <a:r>
               <a:rPr lang="en-US" dirty="0"/>
-              <a:t>JS and TS - Origins</a:t>
+              <a:t>JS - Origins</a:t>
             </a:r>
           </a:p>
         </p:txBody>
@@ -3519,18 +3804,6 @@
           </a:p>
           <a:p>
             <a:r>
-              <a:rPr lang="en-US" b="0" i="0" dirty="0">
-                <a:solidFill>
-                  <a:srgbClr val="242424"/>
-                </a:solidFill>
-                <a:effectLst/>
-                <a:latin typeface="source-serif-pro"/>
-              </a:rPr>
-              <a:t>JavaScript is a general-purpose scripting language that conforms to the ECMAScript specification</a:t>
-            </a:r>
-          </a:p>
-          <a:p>
-            <a:r>
               <a:rPr lang="en-US" dirty="0"/>
               <a:t>Some history of JS (</a:t>
             </a:r>
@@ -3560,7 +3833,7 @@
     </p:spTree>
     <p:extLst>
       <p:ext uri="{BB962C8B-B14F-4D97-AF65-F5344CB8AC3E}">
-        <p14:creationId xmlns:p14="http://schemas.microsoft.com/office/powerpoint/2010/main" val="2096121628"/>
+        <p14:creationId xmlns:p14="http://schemas.microsoft.com/office/powerpoint/2010/main" val="1863695018"/>
       </p:ext>
     </p:extLst>
   </p:cSld>
@@ -3610,7 +3883,7 @@
           <a:p>
             <a:r>
               <a:rPr lang="en-US" dirty="0"/>
-              <a:t>JS and TS - Origins</a:t>
+              <a:t>JS - Origins</a:t>
             </a:r>
           </a:p>
         </p:txBody>
@@ -3640,7 +3913,75 @@
           <a:p>
             <a:r>
               <a:rPr lang="en-US" dirty="0"/>
-              <a:t>TypeScript is a “flavor” or “variant” of JavaScript</a:t>
+              <a:t>JS, ECMAScript, ES5, ES6, ES2015, ES2016, ES2017, ES2018??? </a:t>
+            </a:r>
+          </a:p>
+          <a:p>
+            <a:r>
+              <a:rPr lang="en-US" b="0" i="0" dirty="0">
+                <a:solidFill>
+                  <a:srgbClr val="242424"/>
+                </a:solidFill>
+                <a:effectLst/>
+                <a:latin typeface="source-serif-pro"/>
+                <a:hlinkClick r:id="rId2"/>
+              </a:rPr>
+              <a:t>ECMA International</a:t>
+            </a:r>
+            <a:endParaRPr lang="en-US" dirty="0"/>
+          </a:p>
+          <a:p>
+            <a:r>
+              <a:rPr lang="en-US" b="0" i="0" dirty="0">
+                <a:solidFill>
+                  <a:srgbClr val="242424"/>
+                </a:solidFill>
+                <a:effectLst/>
+                <a:latin typeface="source-serif-pro"/>
+              </a:rPr>
+              <a:t>JavaScript is a general-purpose scripting language that conforms to the ECMAScript specification, </a:t>
+            </a:r>
+            <a:r>
+              <a:rPr lang="en-US" b="0" i="0" dirty="0">
+                <a:solidFill>
+                  <a:srgbClr val="242424"/>
+                </a:solidFill>
+                <a:effectLst/>
+                <a:latin typeface="source-serif-pro"/>
+                <a:hlinkClick r:id="rId3"/>
+              </a:rPr>
+              <a:t>latest specification</a:t>
+            </a:r>
+            <a:endParaRPr lang="en-US" b="0" i="0" dirty="0">
+              <a:solidFill>
+                <a:srgbClr val="242424"/>
+              </a:solidFill>
+              <a:effectLst/>
+              <a:latin typeface="source-serif-pro"/>
+            </a:endParaRPr>
+          </a:p>
+          <a:p>
+            <a:r>
+              <a:rPr lang="en-US" dirty="0">
+                <a:solidFill>
+                  <a:srgbClr val="242424"/>
+                </a:solidFill>
+                <a:latin typeface="source-serif-pro"/>
+              </a:rPr>
+              <a:t>ECMA does not implement but specify how it should be</a:t>
+            </a:r>
+            <a:endParaRPr lang="en-US" b="0" i="0" dirty="0">
+              <a:solidFill>
+                <a:srgbClr val="242424"/>
+              </a:solidFill>
+              <a:effectLst/>
+              <a:latin typeface="source-serif-pro"/>
+            </a:endParaRPr>
+          </a:p>
+          <a:p>
+            <a:r>
+              <a:rPr lang="en-US" dirty="0"/>
+              <a:t>Many browsers behave different</a:t>
             </a:r>
           </a:p>
           <a:p>
@@ -3652,23 +3993,45 @@
                 <a:effectLst/>
                 <a:latin typeface="Segoe UI Web (West European)"/>
               </a:rPr>
-              <a:t>JavaScript (also known as ECMAScript) started its life as a simple scripting language for browsers</a:t>
-            </a:r>
-          </a:p>
-          <a:p>
-            <a:r>
-              <a:rPr lang="en-US" dirty="0"/>
-              <a:t>Some history of TS (</a:t>
+              <a:t>To check what is supported and what does not</a:t>
             </a:r>
             <a:r>
               <a:rPr lang="en-US" dirty="0">
-                <a:hlinkClick r:id="rId2"/>
+                <a:solidFill>
+                  <a:srgbClr val="000000"/>
+                </a:solidFill>
+                <a:latin typeface="Segoe UI Web (West European)"/>
               </a:rPr>
-              <a:t>https://www.youtube.com/watch?v=U6s2pdxebSo&amp;t=441s&amp;ab_channel=OfferZenOrigins</a:t>
-            </a:r>
-            <a:r>
-              <a:rPr lang="en-US" dirty="0"/>
-              <a:t>)</a:t>
+              <a:t> </a:t>
+            </a:r>
+            <a:r>
+              <a:rPr lang="en-US" dirty="0">
+                <a:solidFill>
+                  <a:srgbClr val="000000"/>
+                </a:solidFill>
+                <a:latin typeface="Segoe UI Web (West European)"/>
+                <a:hlinkClick r:id="rId4"/>
+              </a:rPr>
+              <a:t>caniuse.com</a:t>
+            </a:r>
+            <a:endParaRPr lang="en-US" dirty="0">
+              <a:solidFill>
+                <a:srgbClr val="000000"/>
+              </a:solidFill>
+              <a:latin typeface="Segoe UI Web (West European)"/>
+            </a:endParaRPr>
+          </a:p>
+          <a:p>
+            <a:r>
+              <a:rPr lang="en-US" b="0" i="0" dirty="0">
+                <a:solidFill>
+                  <a:srgbClr val="000000"/>
+                </a:solidFill>
+                <a:effectLst/>
+                <a:latin typeface="Segoe UI Web (West European)"/>
+                <a:hlinkClick r:id="rId5"/>
+              </a:rPr>
+              <a:t>Mozilla Developer Network</a:t>
             </a:r>
             <a:endParaRPr lang="en-US" b="0" i="0" dirty="0">
               <a:solidFill>
@@ -3686,7 +4049,7 @@
     </p:spTree>
     <p:extLst>
       <p:ext uri="{BB962C8B-B14F-4D97-AF65-F5344CB8AC3E}">
-        <p14:creationId xmlns:p14="http://schemas.microsoft.com/office/powerpoint/2010/main" val="405631777"/>
+        <p14:creationId xmlns:p14="http://schemas.microsoft.com/office/powerpoint/2010/main" val="2096121628"/>
       </p:ext>
     </p:extLst>
   </p:cSld>
@@ -3718,80 +4081,53 @@
           <p:cNvPr id="2" name="Title 1">
             <a:extLst>
               <a:ext uri="{FF2B5EF4-FFF2-40B4-BE49-F238E27FC236}">
-                <a16:creationId xmlns:a16="http://schemas.microsoft.com/office/drawing/2014/main" id="{0F3F56CA-C931-67D7-6382-29F1CF339A1F}"/>
-              </a:ext>
-            </a:extLst>
-          </p:cNvPr>
-          <p:cNvSpPr>
-            <a:spLocks noGrp="1"/>
-          </p:cNvSpPr>
-          <p:nvPr>
-            <p:ph type="title"/>
-          </p:nvPr>
-        </p:nvSpPr>
-        <p:spPr/>
-        <p:txBody>
-          <a:bodyPr/>
-          <a:lstStyle/>
-          <a:p>
-            <a:r>
-              <a:rPr lang="en-US" dirty="0"/>
-              <a:t>JS - Disadvantages</a:t>
-            </a:r>
-          </a:p>
-        </p:txBody>
-      </p:sp>
-      <p:sp>
-        <p:nvSpPr>
-          <p:cNvPr id="3" name="Content Placeholder 2">
-            <a:extLst>
-              <a:ext uri="{FF2B5EF4-FFF2-40B4-BE49-F238E27FC236}">
-                <a16:creationId xmlns:a16="http://schemas.microsoft.com/office/drawing/2014/main" id="{87EF7DBD-DD82-42F4-40A7-8516331285B8}"/>
-              </a:ext>
-            </a:extLst>
-          </p:cNvPr>
-          <p:cNvSpPr>
-            <a:spLocks noGrp="1"/>
-          </p:cNvSpPr>
-          <p:nvPr>
-            <p:ph idx="1"/>
-          </p:nvPr>
-        </p:nvSpPr>
-        <p:spPr/>
-        <p:txBody>
-          <a:bodyPr/>
-          <a:lstStyle/>
-          <a:p>
-            <a:r>
-              <a:rPr lang="en-US" dirty="0"/>
-              <a:t>Maintainability degree is very high</a:t>
-            </a:r>
-          </a:p>
-          <a:p>
-            <a:r>
-              <a:rPr lang="en-US" dirty="0"/>
-              <a:t>There are no variable types</a:t>
-            </a:r>
-          </a:p>
-          <a:p>
-            <a:r>
-              <a:rPr lang="en-US" dirty="0"/>
-              <a:t>Very difficult to see errors at writing time</a:t>
-            </a:r>
-          </a:p>
-          <a:p>
-            <a:r>
-              <a:rPr lang="en-US" dirty="0"/>
-              <a:t>No auto-completion</a:t>
-            </a:r>
-          </a:p>
-          <a:p>
-            <a:endParaRPr lang="en-US" dirty="0"/>
-          </a:p>
-          <a:p>
-            <a:r>
-              <a:rPr lang="en-US" dirty="0"/>
-              <a:t>Example ../examples/1.1_Origins</a:t>
+                <a16:creationId xmlns:a16="http://schemas.microsoft.com/office/drawing/2014/main" id="{84F5D7F4-1BE9-7630-BE2C-234A8AB5C4B2}"/>
+              </a:ext>
+            </a:extLst>
+          </p:cNvPr>
+          <p:cNvSpPr>
+            <a:spLocks noGrp="1"/>
+          </p:cNvSpPr>
+          <p:nvPr>
+            <p:ph type="ctrTitle"/>
+          </p:nvPr>
+        </p:nvSpPr>
+        <p:spPr/>
+        <p:txBody>
+          <a:bodyPr/>
+          <a:lstStyle/>
+          <a:p>
+            <a:r>
+              <a:rPr lang="en-US" dirty="0"/>
+              <a:t>TS - Origins</a:t>
+            </a:r>
+          </a:p>
+        </p:txBody>
+      </p:sp>
+      <p:sp>
+        <p:nvSpPr>
+          <p:cNvPr id="3" name="Subtitle 2">
+            <a:extLst>
+              <a:ext uri="{FF2B5EF4-FFF2-40B4-BE49-F238E27FC236}">
+                <a16:creationId xmlns:a16="http://schemas.microsoft.com/office/drawing/2014/main" id="{F1E6177F-2C7A-EAE4-4E86-C4E484A166AA}"/>
+              </a:ext>
+            </a:extLst>
+          </p:cNvPr>
+          <p:cNvSpPr>
+            <a:spLocks noGrp="1"/>
+          </p:cNvSpPr>
+          <p:nvPr>
+            <p:ph type="subTitle" idx="1"/>
+          </p:nvPr>
+        </p:nvSpPr>
+        <p:spPr/>
+        <p:txBody>
+          <a:bodyPr/>
+          <a:lstStyle/>
+          <a:p>
+            <a:r>
+              <a:rPr lang="en-US" dirty="0"/>
+              <a:t>Andrés Arcia Benavides</a:t>
             </a:r>
           </a:p>
         </p:txBody>
@@ -3799,7 +4135,7 @@
     </p:spTree>
     <p:extLst>
       <p:ext uri="{BB962C8B-B14F-4D97-AF65-F5344CB8AC3E}">
-        <p14:creationId xmlns:p14="http://schemas.microsoft.com/office/powerpoint/2010/main" val="1955484564"/>
+        <p14:creationId xmlns:p14="http://schemas.microsoft.com/office/powerpoint/2010/main" val="386188524"/>
       </p:ext>
     </p:extLst>
   </p:cSld>
@@ -3849,6 +4185,233 @@
           <a:p>
             <a:r>
               <a:rPr lang="en-US" dirty="0"/>
+              <a:t>TS - Origins</a:t>
+            </a:r>
+          </a:p>
+        </p:txBody>
+      </p:sp>
+      <p:sp>
+        <p:nvSpPr>
+          <p:cNvPr id="3" name="Content Placeholder 2">
+            <a:extLst>
+              <a:ext uri="{FF2B5EF4-FFF2-40B4-BE49-F238E27FC236}">
+                <a16:creationId xmlns:a16="http://schemas.microsoft.com/office/drawing/2014/main" id="{87EF7DBD-DD82-42F4-40A7-8516331285B8}"/>
+              </a:ext>
+            </a:extLst>
+          </p:cNvPr>
+          <p:cNvSpPr>
+            <a:spLocks noGrp="1"/>
+          </p:cNvSpPr>
+          <p:nvPr>
+            <p:ph idx="1"/>
+          </p:nvPr>
+        </p:nvSpPr>
+        <p:spPr/>
+        <p:txBody>
+          <a:bodyPr>
+            <a:normAutofit/>
+          </a:bodyPr>
+          <a:lstStyle/>
+          <a:p>
+            <a:r>
+              <a:rPr lang="en-US" dirty="0"/>
+              <a:t>TypeScript is a “flavor” or “variant” of JavaScript</a:t>
+            </a:r>
+          </a:p>
+          <a:p>
+            <a:r>
+              <a:rPr lang="en-US" dirty="0"/>
+              <a:t>Some history of TS (</a:t>
+            </a:r>
+            <a:r>
+              <a:rPr lang="en-US" dirty="0">
+                <a:hlinkClick r:id="rId2"/>
+              </a:rPr>
+              <a:t>https://www.youtube.com/watch?v=U6s2pdxebSo&amp;t=441s&amp;ab_channel=OfferZenOrigins</a:t>
+            </a:r>
+            <a:r>
+              <a:rPr lang="en-US" dirty="0"/>
+              <a:t>)</a:t>
+            </a:r>
+            <a:endParaRPr lang="en-US" b="0" i="0" dirty="0">
+              <a:solidFill>
+                <a:srgbClr val="000000"/>
+              </a:solidFill>
+              <a:effectLst/>
+              <a:latin typeface="Segoe UI Web (West European)"/>
+            </a:endParaRPr>
+          </a:p>
+          <a:p>
+            <a:endParaRPr lang="en-US" dirty="0"/>
+          </a:p>
+        </p:txBody>
+      </p:sp>
+    </p:spTree>
+    <p:extLst>
+      <p:ext uri="{BB962C8B-B14F-4D97-AF65-F5344CB8AC3E}">
+        <p14:creationId xmlns:p14="http://schemas.microsoft.com/office/powerpoint/2010/main" val="405631777"/>
+      </p:ext>
+    </p:extLst>
+  </p:cSld>
+  <p:clrMapOvr>
+    <a:masterClrMapping/>
+  </p:clrMapOvr>
+</p:sld>
+</file>
+
+<file path=ppt/slides/slide6.xml><?xml version="1.0" encoding="utf-8"?>
+<p:sld xmlns:a="http://schemas.openxmlformats.org/drawingml/2006/main" xmlns:r="http://schemas.openxmlformats.org/officeDocument/2006/relationships" xmlns:p="http://schemas.openxmlformats.org/presentationml/2006/main">
+  <p:cSld>
+    <p:spTree>
+      <p:nvGrpSpPr>
+        <p:cNvPr id="1" name=""/>
+        <p:cNvGrpSpPr/>
+        <p:nvPr/>
+      </p:nvGrpSpPr>
+      <p:grpSpPr>
+        <a:xfrm>
+          <a:off x="0" y="0"/>
+          <a:ext cx="0" cy="0"/>
+          <a:chOff x="0" y="0"/>
+          <a:chExt cx="0" cy="0"/>
+        </a:xfrm>
+      </p:grpSpPr>
+      <p:sp>
+        <p:nvSpPr>
+          <p:cNvPr id="2" name="Title 1">
+            <a:extLst>
+              <a:ext uri="{FF2B5EF4-FFF2-40B4-BE49-F238E27FC236}">
+                <a16:creationId xmlns:a16="http://schemas.microsoft.com/office/drawing/2014/main" id="{0F3F56CA-C931-67D7-6382-29F1CF339A1F}"/>
+              </a:ext>
+            </a:extLst>
+          </p:cNvPr>
+          <p:cNvSpPr>
+            <a:spLocks noGrp="1"/>
+          </p:cNvSpPr>
+          <p:nvPr>
+            <p:ph type="title"/>
+          </p:nvPr>
+        </p:nvSpPr>
+        <p:spPr/>
+        <p:txBody>
+          <a:bodyPr/>
+          <a:lstStyle/>
+          <a:p>
+            <a:r>
+              <a:rPr lang="en-US" dirty="0"/>
+              <a:t>JS - Disadvantages</a:t>
+            </a:r>
+          </a:p>
+        </p:txBody>
+      </p:sp>
+      <p:sp>
+        <p:nvSpPr>
+          <p:cNvPr id="3" name="Content Placeholder 2">
+            <a:extLst>
+              <a:ext uri="{FF2B5EF4-FFF2-40B4-BE49-F238E27FC236}">
+                <a16:creationId xmlns:a16="http://schemas.microsoft.com/office/drawing/2014/main" id="{87EF7DBD-DD82-42F4-40A7-8516331285B8}"/>
+              </a:ext>
+            </a:extLst>
+          </p:cNvPr>
+          <p:cNvSpPr>
+            <a:spLocks noGrp="1"/>
+          </p:cNvSpPr>
+          <p:nvPr>
+            <p:ph idx="1"/>
+          </p:nvPr>
+        </p:nvSpPr>
+        <p:spPr/>
+        <p:txBody>
+          <a:bodyPr/>
+          <a:lstStyle/>
+          <a:p>
+            <a:r>
+              <a:rPr lang="en-US" dirty="0"/>
+              <a:t>Maintainability degree is very high</a:t>
+            </a:r>
+          </a:p>
+          <a:p>
+            <a:r>
+              <a:rPr lang="en-US" dirty="0"/>
+              <a:t>There are no variable types</a:t>
+            </a:r>
+          </a:p>
+          <a:p>
+            <a:r>
+              <a:rPr lang="en-US" dirty="0"/>
+              <a:t>Very difficult to see errors at writing time</a:t>
+            </a:r>
+          </a:p>
+          <a:p>
+            <a:r>
+              <a:rPr lang="en-US" dirty="0"/>
+              <a:t>No auto-completion</a:t>
+            </a:r>
+          </a:p>
+          <a:p>
+            <a:endParaRPr lang="en-US" dirty="0"/>
+          </a:p>
+          <a:p>
+            <a:r>
+              <a:rPr lang="en-US" dirty="0"/>
+              <a:t>Example ../examples/1.1_Origins</a:t>
+            </a:r>
+          </a:p>
+        </p:txBody>
+      </p:sp>
+    </p:spTree>
+    <p:extLst>
+      <p:ext uri="{BB962C8B-B14F-4D97-AF65-F5344CB8AC3E}">
+        <p14:creationId xmlns:p14="http://schemas.microsoft.com/office/powerpoint/2010/main" val="1955484564"/>
+      </p:ext>
+    </p:extLst>
+  </p:cSld>
+  <p:clrMapOvr>
+    <a:masterClrMapping/>
+  </p:clrMapOvr>
+</p:sld>
+</file>
+
+<file path=ppt/slides/slide7.xml><?xml version="1.0" encoding="utf-8"?>
+<p:sld xmlns:a="http://schemas.openxmlformats.org/drawingml/2006/main" xmlns:r="http://schemas.openxmlformats.org/officeDocument/2006/relationships" xmlns:p="http://schemas.openxmlformats.org/presentationml/2006/main">
+  <p:cSld>
+    <p:spTree>
+      <p:nvGrpSpPr>
+        <p:cNvPr id="1" name=""/>
+        <p:cNvGrpSpPr/>
+        <p:nvPr/>
+      </p:nvGrpSpPr>
+      <p:grpSpPr>
+        <a:xfrm>
+          <a:off x="0" y="0"/>
+          <a:ext cx="0" cy="0"/>
+          <a:chOff x="0" y="0"/>
+          <a:chExt cx="0" cy="0"/>
+        </a:xfrm>
+      </p:grpSpPr>
+      <p:sp>
+        <p:nvSpPr>
+          <p:cNvPr id="2" name="Title 1">
+            <a:extLst>
+              <a:ext uri="{FF2B5EF4-FFF2-40B4-BE49-F238E27FC236}">
+                <a16:creationId xmlns:a16="http://schemas.microsoft.com/office/drawing/2014/main" id="{0F3F56CA-C931-67D7-6382-29F1CF339A1F}"/>
+              </a:ext>
+            </a:extLst>
+          </p:cNvPr>
+          <p:cNvSpPr>
+            <a:spLocks noGrp="1"/>
+          </p:cNvSpPr>
+          <p:nvPr>
+            <p:ph type="title"/>
+          </p:nvPr>
+        </p:nvSpPr>
+        <p:spPr/>
+        <p:txBody>
+          <a:bodyPr/>
+          <a:lstStyle/>
+          <a:p>
+            <a:r>
+              <a:rPr lang="en-US" dirty="0"/>
               <a:t>JS – Common Issues</a:t>
             </a:r>
           </a:p>
@@ -3913,7 +4476,7 @@
 </p:sld>
 </file>
 
-<file path=ppt/slides/slide6.xml><?xml version="1.0" encoding="utf-8"?>
+<file path=ppt/slides/slide8.xml><?xml version="1.0" encoding="utf-8"?>
 <p:sld xmlns:a="http://schemas.openxmlformats.org/drawingml/2006/main" xmlns:r="http://schemas.openxmlformats.org/officeDocument/2006/relationships" xmlns:p="http://schemas.openxmlformats.org/presentationml/2006/main">
   <p:cSld>
     <p:spTree>
@@ -4079,258 +4642,6 @@
 </p:sld>
 </file>
 
-<file path=ppt/slides/slide7.xml><?xml version="1.0" encoding="utf-8"?>
-<p:sld xmlns:a="http://schemas.openxmlformats.org/drawingml/2006/main" xmlns:r="http://schemas.openxmlformats.org/officeDocument/2006/relationships" xmlns:p="http://schemas.openxmlformats.org/presentationml/2006/main">
-  <p:cSld>
-    <p:spTree>
-      <p:nvGrpSpPr>
-        <p:cNvPr id="1" name=""/>
-        <p:cNvGrpSpPr/>
-        <p:nvPr/>
-      </p:nvGrpSpPr>
-      <p:grpSpPr>
-        <a:xfrm>
-          <a:off x="0" y="0"/>
-          <a:ext cx="0" cy="0"/>
-          <a:chOff x="0" y="0"/>
-          <a:chExt cx="0" cy="0"/>
-        </a:xfrm>
-      </p:grpSpPr>
-      <p:sp>
-        <p:nvSpPr>
-          <p:cNvPr id="2" name="Title 1">
-            <a:extLst>
-              <a:ext uri="{FF2B5EF4-FFF2-40B4-BE49-F238E27FC236}">
-                <a16:creationId xmlns:a16="http://schemas.microsoft.com/office/drawing/2014/main" id="{0F3F56CA-C931-67D7-6382-29F1CF339A1F}"/>
-              </a:ext>
-            </a:extLst>
-          </p:cNvPr>
-          <p:cNvSpPr>
-            <a:spLocks noGrp="1"/>
-          </p:cNvSpPr>
-          <p:nvPr>
-            <p:ph type="title"/>
-          </p:nvPr>
-        </p:nvSpPr>
-        <p:spPr/>
-        <p:txBody>
-          <a:bodyPr/>
-          <a:lstStyle/>
-          <a:p>
-            <a:r>
-              <a:rPr lang="en-US" dirty="0"/>
-              <a:t>JS and TS – State of the Art</a:t>
-            </a:r>
-          </a:p>
-        </p:txBody>
-      </p:sp>
-      <p:sp>
-        <p:nvSpPr>
-          <p:cNvPr id="3" name="Content Placeholder 2">
-            <a:extLst>
-              <a:ext uri="{FF2B5EF4-FFF2-40B4-BE49-F238E27FC236}">
-                <a16:creationId xmlns:a16="http://schemas.microsoft.com/office/drawing/2014/main" id="{87EF7DBD-DD82-42F4-40A7-8516331285B8}"/>
-              </a:ext>
-            </a:extLst>
-          </p:cNvPr>
-          <p:cNvSpPr>
-            <a:spLocks noGrp="1"/>
-          </p:cNvSpPr>
-          <p:nvPr>
-            <p:ph idx="1"/>
-          </p:nvPr>
-        </p:nvSpPr>
-        <p:spPr/>
-        <p:txBody>
-          <a:bodyPr/>
-          <a:lstStyle/>
-          <a:p>
-            <a:r>
-              <a:rPr lang="en-US" dirty="0"/>
-              <a:t>Developer Ecosystem 2023 results (</a:t>
-            </a:r>
-            <a:r>
-              <a:rPr lang="en-US" dirty="0">
-                <a:hlinkClick r:id="rId2"/>
-              </a:rPr>
-              <a:t>https://www.jetbrains.com/lp/devecosystem-2023/languages/</a:t>
-            </a:r>
-            <a:r>
-              <a:rPr lang="en-US" dirty="0"/>
-              <a:t>)</a:t>
-            </a:r>
-          </a:p>
-          <a:p>
-            <a:r>
-              <a:rPr lang="en-US" dirty="0"/>
-              <a:t>TS Bible (</a:t>
-            </a:r>
-            <a:r>
-              <a:rPr lang="en-US" dirty="0">
-                <a:hlinkClick r:id="rId3"/>
-              </a:rPr>
-              <a:t>https://www.typescriptlang.org/docs/handbook/intro.html</a:t>
-            </a:r>
-            <a:r>
-              <a:rPr lang="en-US" dirty="0"/>
-              <a:t>)</a:t>
-            </a:r>
-          </a:p>
-          <a:p>
-            <a:endParaRPr lang="en-US" b="0" i="0" dirty="0">
-              <a:solidFill>
-                <a:srgbClr val="000000"/>
-              </a:solidFill>
-              <a:effectLst/>
-              <a:latin typeface="Segoe UI Web (West European)"/>
-            </a:endParaRPr>
-          </a:p>
-          <a:p>
-            <a:endParaRPr lang="en-US" dirty="0"/>
-          </a:p>
-        </p:txBody>
-      </p:sp>
-    </p:spTree>
-    <p:extLst>
-      <p:ext uri="{BB962C8B-B14F-4D97-AF65-F5344CB8AC3E}">
-        <p14:creationId xmlns:p14="http://schemas.microsoft.com/office/powerpoint/2010/main" val="1125853623"/>
-      </p:ext>
-    </p:extLst>
-  </p:cSld>
-  <p:clrMapOvr>
-    <a:masterClrMapping/>
-  </p:clrMapOvr>
-</p:sld>
-</file>
-
-<file path=ppt/slides/slide8.xml><?xml version="1.0" encoding="utf-8"?>
-<p:sld xmlns:a="http://schemas.openxmlformats.org/drawingml/2006/main" xmlns:r="http://schemas.openxmlformats.org/officeDocument/2006/relationships" xmlns:p="http://schemas.openxmlformats.org/presentationml/2006/main">
-  <p:cSld>
-    <p:spTree>
-      <p:nvGrpSpPr>
-        <p:cNvPr id="1" name=""/>
-        <p:cNvGrpSpPr/>
-        <p:nvPr/>
-      </p:nvGrpSpPr>
-      <p:grpSpPr>
-        <a:xfrm>
-          <a:off x="0" y="0"/>
-          <a:ext cx="0" cy="0"/>
-          <a:chOff x="0" y="0"/>
-          <a:chExt cx="0" cy="0"/>
-        </a:xfrm>
-      </p:grpSpPr>
-      <p:sp>
-        <p:nvSpPr>
-          <p:cNvPr id="2" name="Title 1">
-            <a:extLst>
-              <a:ext uri="{FF2B5EF4-FFF2-40B4-BE49-F238E27FC236}">
-                <a16:creationId xmlns:a16="http://schemas.microsoft.com/office/drawing/2014/main" id="{0F3F56CA-C931-67D7-6382-29F1CF339A1F}"/>
-              </a:ext>
-            </a:extLst>
-          </p:cNvPr>
-          <p:cNvSpPr>
-            <a:spLocks noGrp="1"/>
-          </p:cNvSpPr>
-          <p:nvPr>
-            <p:ph type="title"/>
-          </p:nvPr>
-        </p:nvSpPr>
-        <p:spPr/>
-        <p:txBody>
-          <a:bodyPr/>
-          <a:lstStyle/>
-          <a:p>
-            <a:r>
-              <a:rPr lang="en-US" dirty="0"/>
-              <a:t>Installation</a:t>
-            </a:r>
-          </a:p>
-        </p:txBody>
-      </p:sp>
-      <p:sp>
-        <p:nvSpPr>
-          <p:cNvPr id="3" name="Content Placeholder 2">
-            <a:extLst>
-              <a:ext uri="{FF2B5EF4-FFF2-40B4-BE49-F238E27FC236}">
-                <a16:creationId xmlns:a16="http://schemas.microsoft.com/office/drawing/2014/main" id="{87EF7DBD-DD82-42F4-40A7-8516331285B8}"/>
-              </a:ext>
-            </a:extLst>
-          </p:cNvPr>
-          <p:cNvSpPr>
-            <a:spLocks noGrp="1"/>
-          </p:cNvSpPr>
-          <p:nvPr>
-            <p:ph idx="1"/>
-          </p:nvPr>
-        </p:nvSpPr>
-        <p:spPr/>
-        <p:txBody>
-          <a:bodyPr/>
-          <a:lstStyle/>
-          <a:p>
-            <a:r>
-              <a:rPr lang="en-US" dirty="0"/>
-              <a:t>Node JS (</a:t>
-            </a:r>
-            <a:r>
-              <a:rPr lang="en-US" dirty="0">
-                <a:hlinkClick r:id="rId2"/>
-              </a:rPr>
-              <a:t>https://nodejs.org/en/download/package-manager</a:t>
-            </a:r>
-            <a:r>
-              <a:rPr lang="en-US" dirty="0"/>
-              <a:t>)</a:t>
-            </a:r>
-          </a:p>
-          <a:p>
-            <a:r>
-              <a:rPr lang="en-US" dirty="0"/>
-              <a:t>Visual Studio Code (</a:t>
-            </a:r>
-            <a:r>
-              <a:rPr lang="en-US" dirty="0">
-                <a:hlinkClick r:id="rId3"/>
-              </a:rPr>
-              <a:t>https://code.visualstudio.com/download</a:t>
-            </a:r>
-            <a:r>
-              <a:rPr lang="en-US" dirty="0"/>
-              <a:t>)</a:t>
-            </a:r>
-          </a:p>
-          <a:p>
-            <a:r>
-              <a:rPr lang="en-US" dirty="0"/>
-              <a:t>Google Chrome (</a:t>
-            </a:r>
-            <a:r>
-              <a:rPr lang="en-US" dirty="0">
-                <a:hlinkClick r:id="rId4"/>
-              </a:rPr>
-              <a:t>https://www.google.com/chrome/</a:t>
-            </a:r>
-            <a:r>
-              <a:rPr lang="en-US" dirty="0"/>
-              <a:t>)</a:t>
-            </a:r>
-          </a:p>
-        </p:txBody>
-      </p:sp>
-    </p:spTree>
-    <p:extLst>
-      <p:ext uri="{BB962C8B-B14F-4D97-AF65-F5344CB8AC3E}">
-        <p14:creationId xmlns:p14="http://schemas.microsoft.com/office/powerpoint/2010/main" val="3310117290"/>
-      </p:ext>
-    </p:extLst>
-  </p:cSld>
-  <p:clrMapOvr>
-    <a:masterClrMapping/>
-  </p:clrMapOvr>
-</p:sld>
-</file>
-
 <file path=ppt/slides/slide9.xml><?xml version="1.0" encoding="utf-8"?>
 <p:sld xmlns:a="http://schemas.openxmlformats.org/drawingml/2006/main" xmlns:r="http://schemas.openxmlformats.org/officeDocument/2006/relationships" xmlns:p="http://schemas.openxmlformats.org/presentationml/2006/main">
   <p:cSld>
@@ -4371,7 +4682,7 @@
           <a:p>
             <a:r>
               <a:rPr lang="en-US" dirty="0"/>
-              <a:t>Installation - Global</a:t>
+              <a:t>JS and TS – State of the Art</a:t>
             </a:r>
           </a:p>
         </p:txBody>
@@ -4394,20 +4705,18 @@
         </p:nvSpPr>
         <p:spPr/>
         <p:txBody>
-          <a:bodyPr>
-            <a:normAutofit/>
-          </a:bodyPr>
-          <a:lstStyle/>
-          <a:p>
-            <a:r>
-              <a:rPr lang="en-US" dirty="0"/>
-              <a:t>TypeScript (</a:t>
+          <a:bodyPr/>
+          <a:lstStyle/>
+          <a:p>
+            <a:r>
+              <a:rPr lang="en-US" dirty="0"/>
+              <a:t>Developer Ecosystem 2023 results (</a:t>
             </a:r>
             <a:r>
               <a:rPr lang="en-US" dirty="0">
                 <a:hlinkClick r:id="rId2"/>
               </a:rPr>
-              <a:t>https://www.typescriptlang.org/download/</a:t>
+              <a:t>https://www.jetbrains.com/lp/devecosystem-2023/languages/</a:t>
             </a:r>
             <a:r>
               <a:rPr lang="en-US" dirty="0"/>
@@ -4417,56 +4726,27 @@
           <a:p>
             <a:r>
               <a:rPr lang="en-US" dirty="0"/>
-              <a:t>In a command type: “</a:t>
-            </a:r>
-            <a:r>
-              <a:rPr lang="en-US" i="1" dirty="0" err="1"/>
-              <a:t>npm</a:t>
-            </a:r>
-            <a:r>
-              <a:rPr lang="en-US" i="1" dirty="0"/>
-              <a:t> install -g typescript</a:t>
-            </a:r>
-            <a:r>
-              <a:rPr lang="en-US" dirty="0"/>
-              <a:t>”</a:t>
-            </a:r>
-          </a:p>
-          <a:p>
-            <a:r>
-              <a:rPr lang="en-US" dirty="0"/>
-              <a:t>Check installation with “</a:t>
-            </a:r>
-            <a:r>
-              <a:rPr lang="en-US" i="1" dirty="0" err="1"/>
-              <a:t>tsc</a:t>
-            </a:r>
-            <a:r>
-              <a:rPr lang="en-US" i="1" dirty="0"/>
-              <a:t> --version</a:t>
-            </a:r>
-            <a:r>
-              <a:rPr lang="en-US" dirty="0"/>
-              <a:t>”</a:t>
-            </a:r>
-          </a:p>
-          <a:p>
-            <a:endParaRPr lang="en-US" dirty="0"/>
-          </a:p>
-          <a:p>
-            <a:r>
-              <a:rPr lang="en-US" dirty="0"/>
-              <a:t>Example ../examples/1.2_HelloWorld</a:t>
-            </a:r>
-          </a:p>
-          <a:p>
-            <a:r>
-              <a:rPr lang="en-US" dirty="0"/>
-              <a:t>Example ../examples/1.3_TSConfig</a:t>
-            </a:r>
-          </a:p>
-          <a:p>
-            <a:endParaRPr lang="en-US" dirty="0"/>
+              <a:t>TS Bible (</a:t>
+            </a:r>
+            <a:r>
+              <a:rPr lang="en-US" dirty="0">
+                <a:hlinkClick r:id="rId3"/>
+              </a:rPr>
+              <a:t>https://www.typescriptlang.org/docs/handbook/intro.html</a:t>
+            </a:r>
+            <a:r>
+              <a:rPr lang="en-US" dirty="0"/>
+              <a:t>)</a:t>
+            </a:r>
+          </a:p>
+          <a:p>
+            <a:endParaRPr lang="en-US" b="0" i="0" dirty="0">
+              <a:solidFill>
+                <a:srgbClr val="000000"/>
+              </a:solidFill>
+              <a:effectLst/>
+              <a:latin typeface="Segoe UI Web (West European)"/>
+            </a:endParaRPr>
           </a:p>
           <a:p>
             <a:endParaRPr lang="en-US" dirty="0"/>
@@ -4476,7 +4756,7 @@
     </p:spTree>
     <p:extLst>
       <p:ext uri="{BB962C8B-B14F-4D97-AF65-F5344CB8AC3E}">
-        <p14:creationId xmlns:p14="http://schemas.microsoft.com/office/powerpoint/2010/main" val="3001847737"/>
+        <p14:creationId xmlns:p14="http://schemas.microsoft.com/office/powerpoint/2010/main" val="1125853623"/>
       </p:ext>
     </p:extLst>
   </p:cSld>

--- a/1_introduction/1_Origins.pptx
+++ b/1_introduction/1_Origins.pptx
@@ -8,14 +8,13 @@
     <p:sldId id="268" r:id="rId2"/>
     <p:sldId id="267" r:id="rId3"/>
     <p:sldId id="257" r:id="rId4"/>
-    <p:sldId id="256" r:id="rId5"/>
+    <p:sldId id="261" r:id="rId5"/>
     <p:sldId id="266" r:id="rId6"/>
-    <p:sldId id="261" r:id="rId7"/>
-    <p:sldId id="262" r:id="rId8"/>
-    <p:sldId id="260" r:id="rId9"/>
-    <p:sldId id="265" r:id="rId10"/>
-    <p:sldId id="263" r:id="rId11"/>
-    <p:sldId id="264" r:id="rId12"/>
+    <p:sldId id="262" r:id="rId7"/>
+    <p:sldId id="260" r:id="rId8"/>
+    <p:sldId id="265" r:id="rId9"/>
+    <p:sldId id="263" r:id="rId10"/>
+    <p:sldId id="264" r:id="rId11"/>
   </p:sldIdLst>
   <p:sldSz cx="12192000" cy="6858000"/>
   <p:notesSz cx="6858000" cy="9144000"/>
@@ -269,7 +268,7 @@
           <a:p>
             <a:fld id="{EECBD699-7A79-4FA7-996C-E5C2C0144205}" type="datetimeFigureOut">
               <a:rPr lang="en-US" smtClean="0"/>
-              <a:t>11/18/2024</a:t>
+              <a:t>11/19/2024</a:t>
             </a:fld>
             <a:endParaRPr lang="en-US"/>
           </a:p>
@@ -467,7 +466,7 @@
           <a:p>
             <a:fld id="{EECBD699-7A79-4FA7-996C-E5C2C0144205}" type="datetimeFigureOut">
               <a:rPr lang="en-US" smtClean="0"/>
-              <a:t>11/18/2024</a:t>
+              <a:t>11/19/2024</a:t>
             </a:fld>
             <a:endParaRPr lang="en-US"/>
           </a:p>
@@ -675,7 +674,7 @@
           <a:p>
             <a:fld id="{EECBD699-7A79-4FA7-996C-E5C2C0144205}" type="datetimeFigureOut">
               <a:rPr lang="en-US" smtClean="0"/>
-              <a:t>11/18/2024</a:t>
+              <a:t>11/19/2024</a:t>
             </a:fld>
             <a:endParaRPr lang="en-US"/>
           </a:p>
@@ -873,7 +872,7 @@
           <a:p>
             <a:fld id="{EECBD699-7A79-4FA7-996C-E5C2C0144205}" type="datetimeFigureOut">
               <a:rPr lang="en-US" smtClean="0"/>
-              <a:t>11/18/2024</a:t>
+              <a:t>11/19/2024</a:t>
             </a:fld>
             <a:endParaRPr lang="en-US"/>
           </a:p>
@@ -1148,7 +1147,7 @@
           <a:p>
             <a:fld id="{EECBD699-7A79-4FA7-996C-E5C2C0144205}" type="datetimeFigureOut">
               <a:rPr lang="en-US" smtClean="0"/>
-              <a:t>11/18/2024</a:t>
+              <a:t>11/19/2024</a:t>
             </a:fld>
             <a:endParaRPr lang="en-US"/>
           </a:p>
@@ -1413,7 +1412,7 @@
           <a:p>
             <a:fld id="{EECBD699-7A79-4FA7-996C-E5C2C0144205}" type="datetimeFigureOut">
               <a:rPr lang="en-US" smtClean="0"/>
-              <a:t>11/18/2024</a:t>
+              <a:t>11/19/2024</a:t>
             </a:fld>
             <a:endParaRPr lang="en-US"/>
           </a:p>
@@ -1825,7 +1824,7 @@
           <a:p>
             <a:fld id="{EECBD699-7A79-4FA7-996C-E5C2C0144205}" type="datetimeFigureOut">
               <a:rPr lang="en-US" smtClean="0"/>
-              <a:t>11/18/2024</a:t>
+              <a:t>11/19/2024</a:t>
             </a:fld>
             <a:endParaRPr lang="en-US"/>
           </a:p>
@@ -1966,7 +1965,7 @@
           <a:p>
             <a:fld id="{EECBD699-7A79-4FA7-996C-E5C2C0144205}" type="datetimeFigureOut">
               <a:rPr lang="en-US" smtClean="0"/>
-              <a:t>11/18/2024</a:t>
+              <a:t>11/19/2024</a:t>
             </a:fld>
             <a:endParaRPr lang="en-US"/>
           </a:p>
@@ -2079,7 +2078,7 @@
           <a:p>
             <a:fld id="{EECBD699-7A79-4FA7-996C-E5C2C0144205}" type="datetimeFigureOut">
               <a:rPr lang="en-US" smtClean="0"/>
-              <a:t>11/18/2024</a:t>
+              <a:t>11/19/2024</a:t>
             </a:fld>
             <a:endParaRPr lang="en-US"/>
           </a:p>
@@ -2390,7 +2389,7 @@
           <a:p>
             <a:fld id="{EECBD699-7A79-4FA7-996C-E5C2C0144205}" type="datetimeFigureOut">
               <a:rPr lang="en-US" smtClean="0"/>
-              <a:t>11/18/2024</a:t>
+              <a:t>11/19/2024</a:t>
             </a:fld>
             <a:endParaRPr lang="en-US"/>
           </a:p>
@@ -2678,7 +2677,7 @@
           <a:p>
             <a:fld id="{EECBD699-7A79-4FA7-996C-E5C2C0144205}" type="datetimeFigureOut">
               <a:rPr lang="en-US" smtClean="0"/>
-              <a:t>11/18/2024</a:t>
+              <a:t>11/19/2024</a:t>
             </a:fld>
             <a:endParaRPr lang="en-US"/>
           </a:p>
@@ -2919,7 +2918,7 @@
           <a:p>
             <a:fld id="{EECBD699-7A79-4FA7-996C-E5C2C0144205}" type="datetimeFigureOut">
               <a:rPr lang="en-US" smtClean="0"/>
-              <a:t>11/18/2024</a:t>
+              <a:t>11/19/2024</a:t>
             </a:fld>
             <a:endParaRPr lang="en-US"/>
           </a:p>
@@ -3359,7 +3358,7 @@
           <a:p>
             <a:r>
               <a:rPr lang="en-US" dirty="0"/>
-              <a:t>JS - Origins</a:t>
+              <a:t>JS / TS - Origins</a:t>
             </a:r>
           </a:p>
         </p:txBody>
@@ -3445,134 +3444,6 @@
           <a:p>
             <a:r>
               <a:rPr lang="en-US" dirty="0"/>
-              <a:t>Installation</a:t>
-            </a:r>
-          </a:p>
-        </p:txBody>
-      </p:sp>
-      <p:sp>
-        <p:nvSpPr>
-          <p:cNvPr id="3" name="Content Placeholder 2">
-            <a:extLst>
-              <a:ext uri="{FF2B5EF4-FFF2-40B4-BE49-F238E27FC236}">
-                <a16:creationId xmlns:a16="http://schemas.microsoft.com/office/drawing/2014/main" id="{87EF7DBD-DD82-42F4-40A7-8516331285B8}"/>
-              </a:ext>
-            </a:extLst>
-          </p:cNvPr>
-          <p:cNvSpPr>
-            <a:spLocks noGrp="1"/>
-          </p:cNvSpPr>
-          <p:nvPr>
-            <p:ph idx="1"/>
-          </p:nvPr>
-        </p:nvSpPr>
-        <p:spPr/>
-        <p:txBody>
-          <a:bodyPr/>
-          <a:lstStyle/>
-          <a:p>
-            <a:r>
-              <a:rPr lang="en-US" dirty="0"/>
-              <a:t>Node JS (</a:t>
-            </a:r>
-            <a:r>
-              <a:rPr lang="en-US" dirty="0">
-                <a:hlinkClick r:id="rId2"/>
-              </a:rPr>
-              <a:t>https://nodejs.org/en/download/package-manager</a:t>
-            </a:r>
-            <a:r>
-              <a:rPr lang="en-US" dirty="0"/>
-              <a:t>)</a:t>
-            </a:r>
-          </a:p>
-          <a:p>
-            <a:r>
-              <a:rPr lang="en-US" dirty="0"/>
-              <a:t>Visual Studio Code (</a:t>
-            </a:r>
-            <a:r>
-              <a:rPr lang="en-US" dirty="0">
-                <a:hlinkClick r:id="rId3"/>
-              </a:rPr>
-              <a:t>https://code.visualstudio.com/download</a:t>
-            </a:r>
-            <a:r>
-              <a:rPr lang="en-US" dirty="0"/>
-              <a:t>)</a:t>
-            </a:r>
-          </a:p>
-          <a:p>
-            <a:r>
-              <a:rPr lang="en-US" dirty="0"/>
-              <a:t>Google Chrome (</a:t>
-            </a:r>
-            <a:r>
-              <a:rPr lang="en-US" dirty="0">
-                <a:hlinkClick r:id="rId4"/>
-              </a:rPr>
-              <a:t>https://www.google.com/chrome/</a:t>
-            </a:r>
-            <a:r>
-              <a:rPr lang="en-US" dirty="0"/>
-              <a:t>)</a:t>
-            </a:r>
-          </a:p>
-        </p:txBody>
-      </p:sp>
-    </p:spTree>
-    <p:extLst>
-      <p:ext uri="{BB962C8B-B14F-4D97-AF65-F5344CB8AC3E}">
-        <p14:creationId xmlns:p14="http://schemas.microsoft.com/office/powerpoint/2010/main" val="3310117290"/>
-      </p:ext>
-    </p:extLst>
-  </p:cSld>
-  <p:clrMapOvr>
-    <a:masterClrMapping/>
-  </p:clrMapOvr>
-</p:sld>
-</file>
-
-<file path=ppt/slides/slide11.xml><?xml version="1.0" encoding="utf-8"?>
-<p:sld xmlns:a="http://schemas.openxmlformats.org/drawingml/2006/main" xmlns:r="http://schemas.openxmlformats.org/officeDocument/2006/relationships" xmlns:p="http://schemas.openxmlformats.org/presentationml/2006/main">
-  <p:cSld>
-    <p:spTree>
-      <p:nvGrpSpPr>
-        <p:cNvPr id="1" name=""/>
-        <p:cNvGrpSpPr/>
-        <p:nvPr/>
-      </p:nvGrpSpPr>
-      <p:grpSpPr>
-        <a:xfrm>
-          <a:off x="0" y="0"/>
-          <a:ext cx="0" cy="0"/>
-          <a:chOff x="0" y="0"/>
-          <a:chExt cx="0" cy="0"/>
-        </a:xfrm>
-      </p:grpSpPr>
-      <p:sp>
-        <p:nvSpPr>
-          <p:cNvPr id="2" name="Title 1">
-            <a:extLst>
-              <a:ext uri="{FF2B5EF4-FFF2-40B4-BE49-F238E27FC236}">
-                <a16:creationId xmlns:a16="http://schemas.microsoft.com/office/drawing/2014/main" id="{0F3F56CA-C931-67D7-6382-29F1CF339A1F}"/>
-              </a:ext>
-            </a:extLst>
-          </p:cNvPr>
-          <p:cNvSpPr>
-            <a:spLocks noGrp="1"/>
-          </p:cNvSpPr>
-          <p:nvPr>
-            <p:ph type="title"/>
-          </p:nvPr>
-        </p:nvSpPr>
-        <p:spPr/>
-        <p:txBody>
-          <a:bodyPr/>
-          <a:lstStyle/>
-          <a:p>
-            <a:r>
-              <a:rPr lang="en-US" dirty="0"/>
               <a:t>Installation - Global</a:t>
             </a:r>
           </a:p>
@@ -3798,7 +3669,7 @@
                 <a:effectLst/>
                 <a:latin typeface="source-serif-pro"/>
               </a:rPr>
-              <a:t>, and later JavaScript was declared the official name in December ’95</a:t>
+              <a:t>, and later JavaScript was declared the official name in December 95</a:t>
             </a:r>
             <a:endParaRPr lang="en-US" dirty="0"/>
           </a:p>
@@ -4081,53 +3952,80 @@
           <p:cNvPr id="2" name="Title 1">
             <a:extLst>
               <a:ext uri="{FF2B5EF4-FFF2-40B4-BE49-F238E27FC236}">
-                <a16:creationId xmlns:a16="http://schemas.microsoft.com/office/drawing/2014/main" id="{84F5D7F4-1BE9-7630-BE2C-234A8AB5C4B2}"/>
-              </a:ext>
-            </a:extLst>
-          </p:cNvPr>
-          <p:cNvSpPr>
-            <a:spLocks noGrp="1"/>
-          </p:cNvSpPr>
-          <p:nvPr>
-            <p:ph type="ctrTitle"/>
-          </p:nvPr>
-        </p:nvSpPr>
-        <p:spPr/>
-        <p:txBody>
-          <a:bodyPr/>
-          <a:lstStyle/>
-          <a:p>
-            <a:r>
-              <a:rPr lang="en-US" dirty="0"/>
-              <a:t>TS - Origins</a:t>
-            </a:r>
-          </a:p>
-        </p:txBody>
-      </p:sp>
-      <p:sp>
-        <p:nvSpPr>
-          <p:cNvPr id="3" name="Subtitle 2">
-            <a:extLst>
-              <a:ext uri="{FF2B5EF4-FFF2-40B4-BE49-F238E27FC236}">
-                <a16:creationId xmlns:a16="http://schemas.microsoft.com/office/drawing/2014/main" id="{F1E6177F-2C7A-EAE4-4E86-C4E484A166AA}"/>
-              </a:ext>
-            </a:extLst>
-          </p:cNvPr>
-          <p:cNvSpPr>
-            <a:spLocks noGrp="1"/>
-          </p:cNvSpPr>
-          <p:nvPr>
-            <p:ph type="subTitle" idx="1"/>
-          </p:nvPr>
-        </p:nvSpPr>
-        <p:spPr/>
-        <p:txBody>
-          <a:bodyPr/>
-          <a:lstStyle/>
-          <a:p>
-            <a:r>
-              <a:rPr lang="en-US" dirty="0"/>
-              <a:t>Andrés Arcia Benavides</a:t>
+                <a16:creationId xmlns:a16="http://schemas.microsoft.com/office/drawing/2014/main" id="{0F3F56CA-C931-67D7-6382-29F1CF339A1F}"/>
+              </a:ext>
+            </a:extLst>
+          </p:cNvPr>
+          <p:cNvSpPr>
+            <a:spLocks noGrp="1"/>
+          </p:cNvSpPr>
+          <p:nvPr>
+            <p:ph type="title"/>
+          </p:nvPr>
+        </p:nvSpPr>
+        <p:spPr/>
+        <p:txBody>
+          <a:bodyPr/>
+          <a:lstStyle/>
+          <a:p>
+            <a:r>
+              <a:rPr lang="en-US" dirty="0"/>
+              <a:t>JS - Disadvantages</a:t>
+            </a:r>
+          </a:p>
+        </p:txBody>
+      </p:sp>
+      <p:sp>
+        <p:nvSpPr>
+          <p:cNvPr id="3" name="Content Placeholder 2">
+            <a:extLst>
+              <a:ext uri="{FF2B5EF4-FFF2-40B4-BE49-F238E27FC236}">
+                <a16:creationId xmlns:a16="http://schemas.microsoft.com/office/drawing/2014/main" id="{87EF7DBD-DD82-42F4-40A7-8516331285B8}"/>
+              </a:ext>
+            </a:extLst>
+          </p:cNvPr>
+          <p:cNvSpPr>
+            <a:spLocks noGrp="1"/>
+          </p:cNvSpPr>
+          <p:nvPr>
+            <p:ph idx="1"/>
+          </p:nvPr>
+        </p:nvSpPr>
+        <p:spPr/>
+        <p:txBody>
+          <a:bodyPr/>
+          <a:lstStyle/>
+          <a:p>
+            <a:r>
+              <a:rPr lang="en-US" dirty="0"/>
+              <a:t>Maintainability degree is very high</a:t>
+            </a:r>
+          </a:p>
+          <a:p>
+            <a:r>
+              <a:rPr lang="en-US" dirty="0"/>
+              <a:t>There are no variable types</a:t>
+            </a:r>
+          </a:p>
+          <a:p>
+            <a:r>
+              <a:rPr lang="en-US" dirty="0"/>
+              <a:t>Very difficult to see errors at writing time</a:t>
+            </a:r>
+          </a:p>
+          <a:p>
+            <a:r>
+              <a:rPr lang="en-US" dirty="0"/>
+              <a:t>No auto-completion</a:t>
+            </a:r>
+          </a:p>
+          <a:p>
+            <a:endParaRPr lang="en-US" dirty="0"/>
+          </a:p>
+          <a:p>
+            <a:r>
+              <a:rPr lang="en-US" dirty="0"/>
+              <a:t>Example ../examples/1.1_Origins</a:t>
             </a:r>
           </a:p>
         </p:txBody>
@@ -4135,7 +4033,7 @@
     </p:spTree>
     <p:extLst>
       <p:ext uri="{BB962C8B-B14F-4D97-AF65-F5344CB8AC3E}">
-        <p14:creationId xmlns:p14="http://schemas.microsoft.com/office/powerpoint/2010/main" val="386188524"/>
+        <p14:creationId xmlns:p14="http://schemas.microsoft.com/office/powerpoint/2010/main" val="1955484564"/>
       </p:ext>
     </p:extLst>
   </p:cSld>
@@ -4299,119 +4197,6 @@
           <a:p>
             <a:r>
               <a:rPr lang="en-US" dirty="0"/>
-              <a:t>JS - Disadvantages</a:t>
-            </a:r>
-          </a:p>
-        </p:txBody>
-      </p:sp>
-      <p:sp>
-        <p:nvSpPr>
-          <p:cNvPr id="3" name="Content Placeholder 2">
-            <a:extLst>
-              <a:ext uri="{FF2B5EF4-FFF2-40B4-BE49-F238E27FC236}">
-                <a16:creationId xmlns:a16="http://schemas.microsoft.com/office/drawing/2014/main" id="{87EF7DBD-DD82-42F4-40A7-8516331285B8}"/>
-              </a:ext>
-            </a:extLst>
-          </p:cNvPr>
-          <p:cNvSpPr>
-            <a:spLocks noGrp="1"/>
-          </p:cNvSpPr>
-          <p:nvPr>
-            <p:ph idx="1"/>
-          </p:nvPr>
-        </p:nvSpPr>
-        <p:spPr/>
-        <p:txBody>
-          <a:bodyPr/>
-          <a:lstStyle/>
-          <a:p>
-            <a:r>
-              <a:rPr lang="en-US" dirty="0"/>
-              <a:t>Maintainability degree is very high</a:t>
-            </a:r>
-          </a:p>
-          <a:p>
-            <a:r>
-              <a:rPr lang="en-US" dirty="0"/>
-              <a:t>There are no variable types</a:t>
-            </a:r>
-          </a:p>
-          <a:p>
-            <a:r>
-              <a:rPr lang="en-US" dirty="0"/>
-              <a:t>Very difficult to see errors at writing time</a:t>
-            </a:r>
-          </a:p>
-          <a:p>
-            <a:r>
-              <a:rPr lang="en-US" dirty="0"/>
-              <a:t>No auto-completion</a:t>
-            </a:r>
-          </a:p>
-          <a:p>
-            <a:endParaRPr lang="en-US" dirty="0"/>
-          </a:p>
-          <a:p>
-            <a:r>
-              <a:rPr lang="en-US" dirty="0"/>
-              <a:t>Example ../examples/1.1_Origins</a:t>
-            </a:r>
-          </a:p>
-        </p:txBody>
-      </p:sp>
-    </p:spTree>
-    <p:extLst>
-      <p:ext uri="{BB962C8B-B14F-4D97-AF65-F5344CB8AC3E}">
-        <p14:creationId xmlns:p14="http://schemas.microsoft.com/office/powerpoint/2010/main" val="1955484564"/>
-      </p:ext>
-    </p:extLst>
-  </p:cSld>
-  <p:clrMapOvr>
-    <a:masterClrMapping/>
-  </p:clrMapOvr>
-</p:sld>
-</file>
-
-<file path=ppt/slides/slide7.xml><?xml version="1.0" encoding="utf-8"?>
-<p:sld xmlns:a="http://schemas.openxmlformats.org/drawingml/2006/main" xmlns:r="http://schemas.openxmlformats.org/officeDocument/2006/relationships" xmlns:p="http://schemas.openxmlformats.org/presentationml/2006/main">
-  <p:cSld>
-    <p:spTree>
-      <p:nvGrpSpPr>
-        <p:cNvPr id="1" name=""/>
-        <p:cNvGrpSpPr/>
-        <p:nvPr/>
-      </p:nvGrpSpPr>
-      <p:grpSpPr>
-        <a:xfrm>
-          <a:off x="0" y="0"/>
-          <a:ext cx="0" cy="0"/>
-          <a:chOff x="0" y="0"/>
-          <a:chExt cx="0" cy="0"/>
-        </a:xfrm>
-      </p:grpSpPr>
-      <p:sp>
-        <p:nvSpPr>
-          <p:cNvPr id="2" name="Title 1">
-            <a:extLst>
-              <a:ext uri="{FF2B5EF4-FFF2-40B4-BE49-F238E27FC236}">
-                <a16:creationId xmlns:a16="http://schemas.microsoft.com/office/drawing/2014/main" id="{0F3F56CA-C931-67D7-6382-29F1CF339A1F}"/>
-              </a:ext>
-            </a:extLst>
-          </p:cNvPr>
-          <p:cNvSpPr>
-            <a:spLocks noGrp="1"/>
-          </p:cNvSpPr>
-          <p:nvPr>
-            <p:ph type="title"/>
-          </p:nvPr>
-        </p:nvSpPr>
-        <p:spPr/>
-        <p:txBody>
-          <a:bodyPr/>
-          <a:lstStyle/>
-          <a:p>
-            <a:r>
-              <a:rPr lang="en-US" dirty="0"/>
               <a:t>JS – Common Issues</a:t>
             </a:r>
           </a:p>
@@ -4476,7 +4261,7 @@
 </p:sld>
 </file>
 
-<file path=ppt/slides/slide8.xml><?xml version="1.0" encoding="utf-8"?>
+<file path=ppt/slides/slide7.xml><?xml version="1.0" encoding="utf-8"?>
 <p:sld xmlns:a="http://schemas.openxmlformats.org/drawingml/2006/main" xmlns:r="http://schemas.openxmlformats.org/officeDocument/2006/relationships" xmlns:p="http://schemas.openxmlformats.org/presentationml/2006/main">
   <p:cSld>
     <p:spTree>
@@ -4642,6 +4427,130 @@
 </p:sld>
 </file>
 
+<file path=ppt/slides/slide8.xml><?xml version="1.0" encoding="utf-8"?>
+<p:sld xmlns:a="http://schemas.openxmlformats.org/drawingml/2006/main" xmlns:r="http://schemas.openxmlformats.org/officeDocument/2006/relationships" xmlns:p="http://schemas.openxmlformats.org/presentationml/2006/main">
+  <p:cSld>
+    <p:spTree>
+      <p:nvGrpSpPr>
+        <p:cNvPr id="1" name=""/>
+        <p:cNvGrpSpPr/>
+        <p:nvPr/>
+      </p:nvGrpSpPr>
+      <p:grpSpPr>
+        <a:xfrm>
+          <a:off x="0" y="0"/>
+          <a:ext cx="0" cy="0"/>
+          <a:chOff x="0" y="0"/>
+          <a:chExt cx="0" cy="0"/>
+        </a:xfrm>
+      </p:grpSpPr>
+      <p:sp>
+        <p:nvSpPr>
+          <p:cNvPr id="2" name="Title 1">
+            <a:extLst>
+              <a:ext uri="{FF2B5EF4-FFF2-40B4-BE49-F238E27FC236}">
+                <a16:creationId xmlns:a16="http://schemas.microsoft.com/office/drawing/2014/main" id="{0F3F56CA-C931-67D7-6382-29F1CF339A1F}"/>
+              </a:ext>
+            </a:extLst>
+          </p:cNvPr>
+          <p:cNvSpPr>
+            <a:spLocks noGrp="1"/>
+          </p:cNvSpPr>
+          <p:nvPr>
+            <p:ph type="title"/>
+          </p:nvPr>
+        </p:nvSpPr>
+        <p:spPr/>
+        <p:txBody>
+          <a:bodyPr/>
+          <a:lstStyle/>
+          <a:p>
+            <a:r>
+              <a:rPr lang="en-US" dirty="0"/>
+              <a:t>JS and TS – State of the Art</a:t>
+            </a:r>
+          </a:p>
+        </p:txBody>
+      </p:sp>
+      <p:sp>
+        <p:nvSpPr>
+          <p:cNvPr id="3" name="Content Placeholder 2">
+            <a:extLst>
+              <a:ext uri="{FF2B5EF4-FFF2-40B4-BE49-F238E27FC236}">
+                <a16:creationId xmlns:a16="http://schemas.microsoft.com/office/drawing/2014/main" id="{87EF7DBD-DD82-42F4-40A7-8516331285B8}"/>
+              </a:ext>
+            </a:extLst>
+          </p:cNvPr>
+          <p:cNvSpPr>
+            <a:spLocks noGrp="1"/>
+          </p:cNvSpPr>
+          <p:nvPr>
+            <p:ph idx="1"/>
+          </p:nvPr>
+        </p:nvSpPr>
+        <p:spPr/>
+        <p:txBody>
+          <a:bodyPr/>
+          <a:lstStyle/>
+          <a:p>
+            <a:r>
+              <a:rPr lang="en-US" dirty="0"/>
+              <a:t>Developer Ecosystem 2023 results (</a:t>
+            </a:r>
+            <a:r>
+              <a:rPr lang="en-US" dirty="0">
+                <a:hlinkClick r:id="rId2"/>
+              </a:rPr>
+              <a:t>https://www.jetbrains.com/lp/devecosystem-2023/languages/</a:t>
+            </a:r>
+            <a:r>
+              <a:rPr lang="en-US" dirty="0"/>
+              <a:t>)</a:t>
+            </a:r>
+          </a:p>
+          <a:p>
+            <a:r>
+              <a:rPr lang="en-US" dirty="0"/>
+              <a:t>TS Bible (</a:t>
+            </a:r>
+            <a:r>
+              <a:rPr lang="en-US" dirty="0">
+                <a:hlinkClick r:id="rId3"/>
+              </a:rPr>
+              <a:t>https://www.typescriptlang.org/docs/handbook/intro.html</a:t>
+            </a:r>
+            <a:r>
+              <a:rPr lang="en-US" dirty="0"/>
+              <a:t>)</a:t>
+            </a:r>
+          </a:p>
+          <a:p>
+            <a:endParaRPr lang="en-US" b="0" i="0" dirty="0">
+              <a:solidFill>
+                <a:srgbClr val="000000"/>
+              </a:solidFill>
+              <a:effectLst/>
+              <a:latin typeface="Segoe UI Web (West European)"/>
+            </a:endParaRPr>
+          </a:p>
+          <a:p>
+            <a:endParaRPr lang="en-US" dirty="0"/>
+          </a:p>
+        </p:txBody>
+      </p:sp>
+    </p:spTree>
+    <p:extLst>
+      <p:ext uri="{BB962C8B-B14F-4D97-AF65-F5344CB8AC3E}">
+        <p14:creationId xmlns:p14="http://schemas.microsoft.com/office/powerpoint/2010/main" val="1125853623"/>
+      </p:ext>
+    </p:extLst>
+  </p:cSld>
+  <p:clrMapOvr>
+    <a:masterClrMapping/>
+  </p:clrMapOvr>
+</p:sld>
+</file>
+
 <file path=ppt/slides/slide9.xml><?xml version="1.0" encoding="utf-8"?>
 <p:sld xmlns:a="http://schemas.openxmlformats.org/drawingml/2006/main" xmlns:r="http://schemas.openxmlformats.org/officeDocument/2006/relationships" xmlns:p="http://schemas.openxmlformats.org/presentationml/2006/main">
   <p:cSld>
@@ -4682,7 +4591,7 @@
           <a:p>
             <a:r>
               <a:rPr lang="en-US" dirty="0"/>
-              <a:t>JS and TS – State of the Art</a:t>
+              <a:t>Installation</a:t>
             </a:r>
           </a:p>
         </p:txBody>
@@ -4710,13 +4619,13 @@
           <a:p>
             <a:r>
               <a:rPr lang="en-US" dirty="0"/>
-              <a:t>Developer Ecosystem 2023 results (</a:t>
+              <a:t>Node JS (</a:t>
             </a:r>
             <a:r>
               <a:rPr lang="en-US" dirty="0">
                 <a:hlinkClick r:id="rId2"/>
               </a:rPr>
-              <a:t>https://www.jetbrains.com/lp/devecosystem-2023/languages/</a:t>
+              <a:t>https://nodejs.org/en/download/package-manager</a:t>
             </a:r>
             <a:r>
               <a:rPr lang="en-US" dirty="0"/>
@@ -4726,13 +4635,13 @@
           <a:p>
             <a:r>
               <a:rPr lang="en-US" dirty="0"/>
-              <a:t>TS Bible (</a:t>
+              <a:t>Visual Studio Code (</a:t>
             </a:r>
             <a:r>
               <a:rPr lang="en-US" dirty="0">
                 <a:hlinkClick r:id="rId3"/>
               </a:rPr>
-              <a:t>https://www.typescriptlang.org/docs/handbook/intro.html</a:t>
+              <a:t>https://code.visualstudio.com/download</a:t>
             </a:r>
             <a:r>
               <a:rPr lang="en-US" dirty="0"/>
@@ -4740,23 +4649,27 @@
             </a:r>
           </a:p>
           <a:p>
-            <a:endParaRPr lang="en-US" b="0" i="0" dirty="0">
-              <a:solidFill>
-                <a:srgbClr val="000000"/>
-              </a:solidFill>
-              <a:effectLst/>
-              <a:latin typeface="Segoe UI Web (West European)"/>
-            </a:endParaRPr>
-          </a:p>
-          <a:p>
-            <a:endParaRPr lang="en-US" dirty="0"/>
+            <a:r>
+              <a:rPr lang="en-US" dirty="0"/>
+              <a:t>Google Chrome (</a:t>
+            </a:r>
+            <a:r>
+              <a:rPr lang="en-US" dirty="0">
+                <a:hlinkClick r:id="rId4"/>
+              </a:rPr>
+              <a:t>https://www.google.com/chrome/</a:t>
+            </a:r>
+            <a:r>
+              <a:rPr lang="en-US" dirty="0"/>
+              <a:t>)</a:t>
+            </a:r>
           </a:p>
         </p:txBody>
       </p:sp>
     </p:spTree>
     <p:extLst>
       <p:ext uri="{BB962C8B-B14F-4D97-AF65-F5344CB8AC3E}">
-        <p14:creationId xmlns:p14="http://schemas.microsoft.com/office/powerpoint/2010/main" val="1125853623"/>
+        <p14:creationId xmlns:p14="http://schemas.microsoft.com/office/powerpoint/2010/main" val="3310117290"/>
       </p:ext>
     </p:extLst>
   </p:cSld>
